--- a/planning_boris_bike.pptx
+++ b/planning_boris_bike.pptx
@@ -3133,16 +3133,57 @@
           <a:p>
             <a:pPr lvl="2"/>
             <a:r>
-              <a:rPr lang="en-US" sz="1200" dirty="0" smtClean="0"/>
+              <a:rPr lang="en-US" sz="1400" dirty="0" smtClean="0"/>
               <a:t>User   rents /  returns</a:t>
             </a:r>
           </a:p>
           <a:p>
             <a:pPr lvl="2"/>
             <a:r>
-              <a:rPr lang="en-US" sz="1200" dirty="0" smtClean="0"/>
-              <a:t>Bike breaks, returned then not available</a:t>
-            </a:r>
+              <a:rPr lang="en-US" sz="1400" dirty="0" smtClean="0"/>
+              <a:t>Available?</a:t>
+            </a:r>
+          </a:p>
+          <a:p>
+            <a:pPr lvl="3"/>
+            <a:r>
+              <a:rPr lang="en-US" sz="1400" dirty="0" smtClean="0"/>
+              <a:t>Bikes rented or at station</a:t>
+            </a:r>
+            <a:endParaRPr lang="en-US" sz="1400" dirty="0" smtClean="0"/>
+          </a:p>
+          <a:p>
+            <a:pPr lvl="3"/>
+            <a:r>
+              <a:rPr lang="en-US" sz="1400" dirty="0" smtClean="0"/>
+              <a:t>Bike breaks, is broken?, </a:t>
+            </a:r>
+          </a:p>
+          <a:p>
+            <a:pPr lvl="2"/>
+            <a:r>
+              <a:rPr lang="en-US" sz="1800" dirty="0" smtClean="0"/>
+              <a:t>Created</a:t>
+            </a:r>
+          </a:p>
+          <a:p>
+            <a:pPr lvl="3"/>
+            <a:r>
+              <a:rPr lang="en-US" sz="1400" dirty="0" smtClean="0"/>
+              <a:t>Not broken</a:t>
+            </a:r>
+          </a:p>
+          <a:p>
+            <a:pPr lvl="3"/>
+            <a:r>
+              <a:rPr lang="en-US" sz="1400" dirty="0" smtClean="0"/>
+              <a:t>At garage upon creation? Need van to bring </a:t>
+            </a:r>
+            <a:r>
+              <a:rPr lang="en-US" sz="1400" smtClean="0"/>
+              <a:t>to station?</a:t>
+            </a:r>
+            <a:endParaRPr lang="en-US" sz="1400" dirty="0" smtClean="0"/>
           </a:p>
           <a:p>
             <a:pPr lvl="1"/>
@@ -3155,14 +3196,13 @@
               <a:t>num</a:t>
             </a:r>
             <a:r>
-              <a:rPr lang="en-US" sz="1600"/>
+              <a:rPr lang="en-US" sz="1600" dirty="0"/>
               <a:t> </a:t>
             </a:r>
             <a:r>
-              <a:rPr lang="en-US" sz="1600" smtClean="0"/>
+              <a:rPr lang="en-US" sz="1600" dirty="0" smtClean="0"/>
               <a:t>bikes</a:t>
             </a:r>
-            <a:endParaRPr lang="en-US" sz="1600" dirty="0" smtClean="0"/>
           </a:p>
           <a:p>
             <a:pPr lvl="2"/>
